--- a/presentation/BP-prezentácia.pptx
+++ b/presentation/BP-prezentácia.pptx
@@ -6405,12 +6405,12 @@
               <a:buNone/>
             </a:pPr>
             <a:r>
-              <a:rPr lang="en" sz="3600" dirty="0">
+              <a:rPr lang="sk-SK" sz="3600" dirty="0">
                 <a:solidFill>
                   <a:srgbClr val="FF5722"/>
                 </a:solidFill>
               </a:rPr>
-              <a:t>THANKS!</a:t>
+              <a:t>ĎAKUJEM ZA POZORNOSŤ</a:t>
             </a:r>
             <a:endParaRPr sz="3600" dirty="0">
               <a:solidFill>
@@ -6422,1000 +6422,6 @@
       </p:sp>
       <p:sp>
         <p:nvSpPr>
-          <p:cNvPr id="399" name="Google Shape;399;p37"/>
-          <p:cNvSpPr txBox="1">
-            <a:spLocks noGrp="1"/>
-          </p:cNvSpPr>
-          <p:nvPr>
-            <p:ph type="subTitle" idx="4294967295"/>
-          </p:nvPr>
-        </p:nvSpPr>
-        <p:spPr>
-          <a:xfrm>
-            <a:off x="685800" y="3163925"/>
-            <a:ext cx="4531500" cy="784800"/>
-          </a:xfrm>
-          <a:prstGeom prst="rect">
-            <a:avLst/>
-          </a:prstGeom>
-        </p:spPr>
-        <p:txBody>
-          <a:bodyPr spcFirstLastPara="1" wrap="square" lIns="91425" tIns="91425" rIns="91425" bIns="91425" anchor="t" anchorCtr="0">
-            <a:noAutofit/>
-          </a:bodyPr>
-          <a:lstStyle/>
-          <a:p>
-            <a:pPr marL="0" lvl="0" indent="0" algn="l" rtl="0">
-              <a:spcBef>
-                <a:spcPts val="600"/>
-              </a:spcBef>
-              <a:spcAft>
-                <a:spcPts val="0"/>
-              </a:spcAft>
-              <a:buNone/>
-            </a:pPr>
-            <a:r>
-              <a:rPr lang="en" sz="3600" dirty="0"/>
-              <a:t>Any questions?</a:t>
-            </a:r>
-            <a:endParaRPr sz="3600" dirty="0"/>
-          </a:p>
-        </p:txBody>
-      </p:sp>
-      <p:sp>
-        <p:nvSpPr>
-          <p:cNvPr id="400" name="Google Shape;400;p37"/>
-          <p:cNvSpPr txBox="1">
-            <a:spLocks noGrp="1"/>
-          </p:cNvSpPr>
-          <p:nvPr>
-            <p:ph type="body" idx="4294967295"/>
-          </p:nvPr>
-        </p:nvSpPr>
-        <p:spPr>
-          <a:xfrm>
-            <a:off x="685800" y="3836000"/>
-            <a:ext cx="6576000" cy="1007100"/>
-          </a:xfrm>
-          <a:prstGeom prst="rect">
-            <a:avLst/>
-          </a:prstGeom>
-        </p:spPr>
-        <p:txBody>
-          <a:bodyPr spcFirstLastPara="1" wrap="square" lIns="91425" tIns="91425" rIns="91425" bIns="91425" anchor="t" anchorCtr="0">
-            <a:noAutofit/>
-          </a:bodyPr>
-          <a:lstStyle/>
-          <a:p>
-            <a:pPr marL="0" lvl="0" indent="0" algn="l" rtl="0">
-              <a:spcBef>
-                <a:spcPts val="600"/>
-              </a:spcBef>
-              <a:spcAft>
-                <a:spcPts val="0"/>
-              </a:spcAft>
-              <a:buNone/>
-            </a:pPr>
-            <a:r>
-              <a:rPr lang="en"/>
-              <a:t>You can find me at @username &amp; user@mail.me</a:t>
-            </a:r>
-            <a:endParaRPr/>
-          </a:p>
-        </p:txBody>
-      </p:sp>
-      <p:grpSp>
-        <p:nvGrpSpPr>
-          <p:cNvPr id="401" name="Google Shape;401;p37"/>
-          <p:cNvGrpSpPr/>
-          <p:nvPr/>
-        </p:nvGrpSpPr>
-        <p:grpSpPr>
-          <a:xfrm>
-            <a:off x="785305" y="1555467"/>
-            <a:ext cx="462632" cy="462632"/>
-            <a:chOff x="1278900" y="2333250"/>
-            <a:chExt cx="381175" cy="381175"/>
-          </a:xfrm>
-        </p:grpSpPr>
-        <p:sp>
-          <p:nvSpPr>
-            <p:cNvPr id="402" name="Google Shape;402;p37"/>
-            <p:cNvSpPr/>
-            <p:nvPr/>
-          </p:nvSpPr>
-          <p:spPr>
-            <a:xfrm>
-              <a:off x="1278900" y="2333250"/>
-              <a:ext cx="381175" cy="381175"/>
-            </a:xfrm>
-            <a:custGeom>
-              <a:avLst/>
-              <a:gdLst/>
-              <a:ahLst/>
-              <a:cxnLst/>
-              <a:rect l="l" t="t" r="r" b="b"/>
-              <a:pathLst>
-                <a:path w="15247" h="15247" fill="none" extrusionOk="0">
-                  <a:moveTo>
-                    <a:pt x="7623" y="0"/>
-                  </a:moveTo>
-                  <a:lnTo>
-                    <a:pt x="7623" y="0"/>
-                  </a:lnTo>
-                  <a:lnTo>
-                    <a:pt x="7233" y="0"/>
-                  </a:lnTo>
-                  <a:lnTo>
-                    <a:pt x="6844" y="49"/>
-                  </a:lnTo>
-                  <a:lnTo>
-                    <a:pt x="6454" y="98"/>
-                  </a:lnTo>
-                  <a:lnTo>
-                    <a:pt x="6089" y="147"/>
-                  </a:lnTo>
-                  <a:lnTo>
-                    <a:pt x="5723" y="244"/>
-                  </a:lnTo>
-                  <a:lnTo>
-                    <a:pt x="5358" y="341"/>
-                  </a:lnTo>
-                  <a:lnTo>
-                    <a:pt x="4993" y="463"/>
-                  </a:lnTo>
-                  <a:lnTo>
-                    <a:pt x="4652" y="609"/>
-                  </a:lnTo>
-                  <a:lnTo>
-                    <a:pt x="4311" y="755"/>
-                  </a:lnTo>
-                  <a:lnTo>
-                    <a:pt x="3994" y="926"/>
-                  </a:lnTo>
-                  <a:lnTo>
-                    <a:pt x="3678" y="1096"/>
-                  </a:lnTo>
-                  <a:lnTo>
-                    <a:pt x="3361" y="1291"/>
-                  </a:lnTo>
-                  <a:lnTo>
-                    <a:pt x="3069" y="1510"/>
-                  </a:lnTo>
-                  <a:lnTo>
-                    <a:pt x="2777" y="1730"/>
-                  </a:lnTo>
-                  <a:lnTo>
-                    <a:pt x="2509" y="1973"/>
-                  </a:lnTo>
-                  <a:lnTo>
-                    <a:pt x="2241" y="2241"/>
-                  </a:lnTo>
-                  <a:lnTo>
-                    <a:pt x="1973" y="2509"/>
-                  </a:lnTo>
-                  <a:lnTo>
-                    <a:pt x="1729" y="2777"/>
-                  </a:lnTo>
-                  <a:lnTo>
-                    <a:pt x="1510" y="3069"/>
-                  </a:lnTo>
-                  <a:lnTo>
-                    <a:pt x="1291" y="3361"/>
-                  </a:lnTo>
-                  <a:lnTo>
-                    <a:pt x="1096" y="3678"/>
-                  </a:lnTo>
-                  <a:lnTo>
-                    <a:pt x="926" y="3995"/>
-                  </a:lnTo>
-                  <a:lnTo>
-                    <a:pt x="755" y="4311"/>
-                  </a:lnTo>
-                  <a:lnTo>
-                    <a:pt x="609" y="4652"/>
-                  </a:lnTo>
-                  <a:lnTo>
-                    <a:pt x="463" y="4993"/>
-                  </a:lnTo>
-                  <a:lnTo>
-                    <a:pt x="341" y="5358"/>
-                  </a:lnTo>
-                  <a:lnTo>
-                    <a:pt x="244" y="5724"/>
-                  </a:lnTo>
-                  <a:lnTo>
-                    <a:pt x="146" y="6089"/>
-                  </a:lnTo>
-                  <a:lnTo>
-                    <a:pt x="97" y="6454"/>
-                  </a:lnTo>
-                  <a:lnTo>
-                    <a:pt x="49" y="6844"/>
-                  </a:lnTo>
-                  <a:lnTo>
-                    <a:pt x="0" y="7234"/>
-                  </a:lnTo>
-                  <a:lnTo>
-                    <a:pt x="0" y="7623"/>
-                  </a:lnTo>
-                  <a:lnTo>
-                    <a:pt x="0" y="7623"/>
-                  </a:lnTo>
-                  <a:lnTo>
-                    <a:pt x="0" y="8013"/>
-                  </a:lnTo>
-                  <a:lnTo>
-                    <a:pt x="49" y="8403"/>
-                  </a:lnTo>
-                  <a:lnTo>
-                    <a:pt x="97" y="8793"/>
-                  </a:lnTo>
-                  <a:lnTo>
-                    <a:pt x="146" y="9158"/>
-                  </a:lnTo>
-                  <a:lnTo>
-                    <a:pt x="244" y="9523"/>
-                  </a:lnTo>
-                  <a:lnTo>
-                    <a:pt x="341" y="9889"/>
-                  </a:lnTo>
-                  <a:lnTo>
-                    <a:pt x="463" y="10254"/>
-                  </a:lnTo>
-                  <a:lnTo>
-                    <a:pt x="609" y="10595"/>
-                  </a:lnTo>
-                  <a:lnTo>
-                    <a:pt x="755" y="10936"/>
-                  </a:lnTo>
-                  <a:lnTo>
-                    <a:pt x="926" y="11252"/>
-                  </a:lnTo>
-                  <a:lnTo>
-                    <a:pt x="1096" y="11569"/>
-                  </a:lnTo>
-                  <a:lnTo>
-                    <a:pt x="1291" y="11886"/>
-                  </a:lnTo>
-                  <a:lnTo>
-                    <a:pt x="1510" y="12178"/>
-                  </a:lnTo>
-                  <a:lnTo>
-                    <a:pt x="1729" y="12470"/>
-                  </a:lnTo>
-                  <a:lnTo>
-                    <a:pt x="1973" y="12738"/>
-                  </a:lnTo>
-                  <a:lnTo>
-                    <a:pt x="2241" y="13006"/>
-                  </a:lnTo>
-                  <a:lnTo>
-                    <a:pt x="2509" y="13274"/>
-                  </a:lnTo>
-                  <a:lnTo>
-                    <a:pt x="2777" y="13517"/>
-                  </a:lnTo>
-                  <a:lnTo>
-                    <a:pt x="3069" y="13737"/>
-                  </a:lnTo>
-                  <a:lnTo>
-                    <a:pt x="3361" y="13956"/>
-                  </a:lnTo>
-                  <a:lnTo>
-                    <a:pt x="3678" y="14151"/>
-                  </a:lnTo>
-                  <a:lnTo>
-                    <a:pt x="3994" y="14321"/>
-                  </a:lnTo>
-                  <a:lnTo>
-                    <a:pt x="4311" y="14492"/>
-                  </a:lnTo>
-                  <a:lnTo>
-                    <a:pt x="4652" y="14638"/>
-                  </a:lnTo>
-                  <a:lnTo>
-                    <a:pt x="4993" y="14784"/>
-                  </a:lnTo>
-                  <a:lnTo>
-                    <a:pt x="5358" y="14906"/>
-                  </a:lnTo>
-                  <a:lnTo>
-                    <a:pt x="5723" y="15003"/>
-                  </a:lnTo>
-                  <a:lnTo>
-                    <a:pt x="6089" y="15100"/>
-                  </a:lnTo>
-                  <a:lnTo>
-                    <a:pt x="6454" y="15149"/>
-                  </a:lnTo>
-                  <a:lnTo>
-                    <a:pt x="6844" y="15198"/>
-                  </a:lnTo>
-                  <a:lnTo>
-                    <a:pt x="7233" y="15247"/>
-                  </a:lnTo>
-                  <a:lnTo>
-                    <a:pt x="7623" y="15247"/>
-                  </a:lnTo>
-                  <a:lnTo>
-                    <a:pt x="7623" y="15247"/>
-                  </a:lnTo>
-                  <a:lnTo>
-                    <a:pt x="8013" y="15247"/>
-                  </a:lnTo>
-                  <a:lnTo>
-                    <a:pt x="8403" y="15198"/>
-                  </a:lnTo>
-                  <a:lnTo>
-                    <a:pt x="8792" y="15149"/>
-                  </a:lnTo>
-                  <a:lnTo>
-                    <a:pt x="9158" y="15100"/>
-                  </a:lnTo>
-                  <a:lnTo>
-                    <a:pt x="9523" y="15003"/>
-                  </a:lnTo>
-                  <a:lnTo>
-                    <a:pt x="9888" y="14906"/>
-                  </a:lnTo>
-                  <a:lnTo>
-                    <a:pt x="10253" y="14784"/>
-                  </a:lnTo>
-                  <a:lnTo>
-                    <a:pt x="10594" y="14638"/>
-                  </a:lnTo>
-                  <a:lnTo>
-                    <a:pt x="10935" y="14492"/>
-                  </a:lnTo>
-                  <a:lnTo>
-                    <a:pt x="11252" y="14321"/>
-                  </a:lnTo>
-                  <a:lnTo>
-                    <a:pt x="11569" y="14151"/>
-                  </a:lnTo>
-                  <a:lnTo>
-                    <a:pt x="11885" y="13956"/>
-                  </a:lnTo>
-                  <a:lnTo>
-                    <a:pt x="12178" y="13737"/>
-                  </a:lnTo>
-                  <a:lnTo>
-                    <a:pt x="12470" y="13517"/>
-                  </a:lnTo>
-                  <a:lnTo>
-                    <a:pt x="12738" y="13274"/>
-                  </a:lnTo>
-                  <a:lnTo>
-                    <a:pt x="13006" y="13006"/>
-                  </a:lnTo>
-                  <a:lnTo>
-                    <a:pt x="13273" y="12738"/>
-                  </a:lnTo>
-                  <a:lnTo>
-                    <a:pt x="13517" y="12470"/>
-                  </a:lnTo>
-                  <a:lnTo>
-                    <a:pt x="13736" y="12178"/>
-                  </a:lnTo>
-                  <a:lnTo>
-                    <a:pt x="13955" y="11886"/>
-                  </a:lnTo>
-                  <a:lnTo>
-                    <a:pt x="14150" y="11569"/>
-                  </a:lnTo>
-                  <a:lnTo>
-                    <a:pt x="14321" y="11252"/>
-                  </a:lnTo>
-                  <a:lnTo>
-                    <a:pt x="14491" y="10936"/>
-                  </a:lnTo>
-                  <a:lnTo>
-                    <a:pt x="14637" y="10595"/>
-                  </a:lnTo>
-                  <a:lnTo>
-                    <a:pt x="14783" y="10254"/>
-                  </a:lnTo>
-                  <a:lnTo>
-                    <a:pt x="14905" y="9889"/>
-                  </a:lnTo>
-                  <a:lnTo>
-                    <a:pt x="15003" y="9523"/>
-                  </a:lnTo>
-                  <a:lnTo>
-                    <a:pt x="15100" y="9158"/>
-                  </a:lnTo>
-                  <a:lnTo>
-                    <a:pt x="15149" y="8793"/>
-                  </a:lnTo>
-                  <a:lnTo>
-                    <a:pt x="15198" y="8403"/>
-                  </a:lnTo>
-                  <a:lnTo>
-                    <a:pt x="15246" y="8013"/>
-                  </a:lnTo>
-                  <a:lnTo>
-                    <a:pt x="15246" y="7623"/>
-                  </a:lnTo>
-                  <a:lnTo>
-                    <a:pt x="15246" y="7623"/>
-                  </a:lnTo>
-                  <a:lnTo>
-                    <a:pt x="15246" y="7234"/>
-                  </a:lnTo>
-                  <a:lnTo>
-                    <a:pt x="15198" y="6844"/>
-                  </a:lnTo>
-                  <a:lnTo>
-                    <a:pt x="15149" y="6454"/>
-                  </a:lnTo>
-                  <a:lnTo>
-                    <a:pt x="15100" y="6089"/>
-                  </a:lnTo>
-                  <a:lnTo>
-                    <a:pt x="15003" y="5724"/>
-                  </a:lnTo>
-                  <a:lnTo>
-                    <a:pt x="14905" y="5358"/>
-                  </a:lnTo>
-                  <a:lnTo>
-                    <a:pt x="14783" y="4993"/>
-                  </a:lnTo>
-                  <a:lnTo>
-                    <a:pt x="14637" y="4652"/>
-                  </a:lnTo>
-                  <a:lnTo>
-                    <a:pt x="14491" y="4311"/>
-                  </a:lnTo>
-                  <a:lnTo>
-                    <a:pt x="14321" y="3995"/>
-                  </a:lnTo>
-                  <a:lnTo>
-                    <a:pt x="14150" y="3678"/>
-                  </a:lnTo>
-                  <a:lnTo>
-                    <a:pt x="13955" y="3361"/>
-                  </a:lnTo>
-                  <a:lnTo>
-                    <a:pt x="13736" y="3069"/>
-                  </a:lnTo>
-                  <a:lnTo>
-                    <a:pt x="13517" y="2777"/>
-                  </a:lnTo>
-                  <a:lnTo>
-                    <a:pt x="13273" y="2509"/>
-                  </a:lnTo>
-                  <a:lnTo>
-                    <a:pt x="13006" y="2241"/>
-                  </a:lnTo>
-                  <a:lnTo>
-                    <a:pt x="12738" y="1973"/>
-                  </a:lnTo>
-                  <a:lnTo>
-                    <a:pt x="12470" y="1730"/>
-                  </a:lnTo>
-                  <a:lnTo>
-                    <a:pt x="12178" y="1510"/>
-                  </a:lnTo>
-                  <a:lnTo>
-                    <a:pt x="11885" y="1291"/>
-                  </a:lnTo>
-                  <a:lnTo>
-                    <a:pt x="11569" y="1096"/>
-                  </a:lnTo>
-                  <a:lnTo>
-                    <a:pt x="11252" y="926"/>
-                  </a:lnTo>
-                  <a:lnTo>
-                    <a:pt x="10935" y="755"/>
-                  </a:lnTo>
-                  <a:lnTo>
-                    <a:pt x="10594" y="609"/>
-                  </a:lnTo>
-                  <a:lnTo>
-                    <a:pt x="10253" y="463"/>
-                  </a:lnTo>
-                  <a:lnTo>
-                    <a:pt x="9888" y="341"/>
-                  </a:lnTo>
-                  <a:lnTo>
-                    <a:pt x="9523" y="244"/>
-                  </a:lnTo>
-                  <a:lnTo>
-                    <a:pt x="9158" y="147"/>
-                  </a:lnTo>
-                  <a:lnTo>
-                    <a:pt x="8792" y="98"/>
-                  </a:lnTo>
-                  <a:lnTo>
-                    <a:pt x="8403" y="49"/>
-                  </a:lnTo>
-                  <a:lnTo>
-                    <a:pt x="8013" y="0"/>
-                  </a:lnTo>
-                  <a:lnTo>
-                    <a:pt x="7623" y="0"/>
-                  </a:lnTo>
-                  <a:lnTo>
-                    <a:pt x="7623" y="0"/>
-                  </a:lnTo>
-                </a:path>
-              </a:pathLst>
-            </a:custGeom>
-            <a:noFill/>
-            <a:ln w="12175" cap="rnd" cmpd="sng">
-              <a:solidFill>
-                <a:srgbClr val="B7B7B7"/>
-              </a:solidFill>
-              <a:prstDash val="solid"/>
-              <a:round/>
-              <a:headEnd type="none" w="sm" len="sm"/>
-              <a:tailEnd type="none" w="sm" len="sm"/>
-            </a:ln>
-          </p:spPr>
-          <p:txBody>
-            <a:bodyPr spcFirstLastPara="1" wrap="square" lIns="91425" tIns="91425" rIns="91425" bIns="91425" anchor="ctr" anchorCtr="0">
-              <a:noAutofit/>
-            </a:bodyPr>
-            <a:lstStyle/>
-            <a:p>
-              <a:pPr marL="0" lvl="0" indent="0" algn="l" rtl="0">
-                <a:spcBef>
-                  <a:spcPts val="0"/>
-                </a:spcBef>
-                <a:spcAft>
-                  <a:spcPts val="0"/>
-                </a:spcAft>
-                <a:buNone/>
-              </a:pPr>
-              <a:endParaRPr/>
-            </a:p>
-          </p:txBody>
-        </p:sp>
-        <p:sp>
-          <p:nvSpPr>
-            <p:cNvPr id="403" name="Google Shape;403;p37"/>
-            <p:cNvSpPr/>
-            <p:nvPr/>
-          </p:nvSpPr>
-          <p:spPr>
-            <a:xfrm>
-              <a:off x="1525475" y="2503125"/>
-              <a:ext cx="43875" cy="47525"/>
-            </a:xfrm>
-            <a:custGeom>
-              <a:avLst/>
-              <a:gdLst/>
-              <a:ahLst/>
-              <a:cxnLst/>
-              <a:rect l="l" t="t" r="r" b="b"/>
-              <a:pathLst>
-                <a:path w="1755" h="1901" fill="none" extrusionOk="0">
-                  <a:moveTo>
-                    <a:pt x="878" y="0"/>
-                  </a:moveTo>
-                  <a:lnTo>
-                    <a:pt x="878" y="0"/>
-                  </a:lnTo>
-                  <a:lnTo>
-                    <a:pt x="1048" y="25"/>
-                  </a:lnTo>
-                  <a:lnTo>
-                    <a:pt x="1219" y="73"/>
-                  </a:lnTo>
-                  <a:lnTo>
-                    <a:pt x="1365" y="171"/>
-                  </a:lnTo>
-                  <a:lnTo>
-                    <a:pt x="1511" y="268"/>
-                  </a:lnTo>
-                  <a:lnTo>
-                    <a:pt x="1608" y="414"/>
-                  </a:lnTo>
-                  <a:lnTo>
-                    <a:pt x="1681" y="585"/>
-                  </a:lnTo>
-                  <a:lnTo>
-                    <a:pt x="1730" y="755"/>
-                  </a:lnTo>
-                  <a:lnTo>
-                    <a:pt x="1754" y="950"/>
-                  </a:lnTo>
-                  <a:lnTo>
-                    <a:pt x="1754" y="950"/>
-                  </a:lnTo>
-                  <a:lnTo>
-                    <a:pt x="1730" y="1145"/>
-                  </a:lnTo>
-                  <a:lnTo>
-                    <a:pt x="1681" y="1316"/>
-                  </a:lnTo>
-                  <a:lnTo>
-                    <a:pt x="1608" y="1486"/>
-                  </a:lnTo>
-                  <a:lnTo>
-                    <a:pt x="1511" y="1632"/>
-                  </a:lnTo>
-                  <a:lnTo>
-                    <a:pt x="1365" y="1730"/>
-                  </a:lnTo>
-                  <a:lnTo>
-                    <a:pt x="1219" y="1827"/>
-                  </a:lnTo>
-                  <a:lnTo>
-                    <a:pt x="1048" y="1876"/>
-                  </a:lnTo>
-                  <a:lnTo>
-                    <a:pt x="878" y="1900"/>
-                  </a:lnTo>
-                  <a:lnTo>
-                    <a:pt x="878" y="1900"/>
-                  </a:lnTo>
-                  <a:lnTo>
-                    <a:pt x="707" y="1876"/>
-                  </a:lnTo>
-                  <a:lnTo>
-                    <a:pt x="537" y="1827"/>
-                  </a:lnTo>
-                  <a:lnTo>
-                    <a:pt x="390" y="1730"/>
-                  </a:lnTo>
-                  <a:lnTo>
-                    <a:pt x="244" y="1632"/>
-                  </a:lnTo>
-                  <a:lnTo>
-                    <a:pt x="147" y="1486"/>
-                  </a:lnTo>
-                  <a:lnTo>
-                    <a:pt x="74" y="1316"/>
-                  </a:lnTo>
-                  <a:lnTo>
-                    <a:pt x="25" y="1145"/>
-                  </a:lnTo>
-                  <a:lnTo>
-                    <a:pt x="1" y="950"/>
-                  </a:lnTo>
-                  <a:lnTo>
-                    <a:pt x="1" y="950"/>
-                  </a:lnTo>
-                  <a:lnTo>
-                    <a:pt x="25" y="755"/>
-                  </a:lnTo>
-                  <a:lnTo>
-                    <a:pt x="74" y="585"/>
-                  </a:lnTo>
-                  <a:lnTo>
-                    <a:pt x="147" y="414"/>
-                  </a:lnTo>
-                  <a:lnTo>
-                    <a:pt x="244" y="268"/>
-                  </a:lnTo>
-                  <a:lnTo>
-                    <a:pt x="390" y="171"/>
-                  </a:lnTo>
-                  <a:lnTo>
-                    <a:pt x="537" y="73"/>
-                  </a:lnTo>
-                  <a:lnTo>
-                    <a:pt x="707" y="25"/>
-                  </a:lnTo>
-                  <a:lnTo>
-                    <a:pt x="878" y="0"/>
-                  </a:lnTo>
-                  <a:lnTo>
-                    <a:pt x="878" y="0"/>
-                  </a:lnTo>
-                </a:path>
-              </a:pathLst>
-            </a:custGeom>
-            <a:noFill/>
-            <a:ln w="12175" cap="rnd" cmpd="sng">
-              <a:solidFill>
-                <a:srgbClr val="B7B7B7"/>
-              </a:solidFill>
-              <a:prstDash val="solid"/>
-              <a:round/>
-              <a:headEnd type="none" w="sm" len="sm"/>
-              <a:tailEnd type="none" w="sm" len="sm"/>
-            </a:ln>
-          </p:spPr>
-          <p:txBody>
-            <a:bodyPr spcFirstLastPara="1" wrap="square" lIns="91425" tIns="91425" rIns="91425" bIns="91425" anchor="ctr" anchorCtr="0">
-              <a:noAutofit/>
-            </a:bodyPr>
-            <a:lstStyle/>
-            <a:p>
-              <a:pPr marL="0" lvl="0" indent="0" algn="l" rtl="0">
-                <a:spcBef>
-                  <a:spcPts val="0"/>
-                </a:spcBef>
-                <a:spcAft>
-                  <a:spcPts val="0"/>
-                </a:spcAft>
-                <a:buNone/>
-              </a:pPr>
-              <a:endParaRPr/>
-            </a:p>
-          </p:txBody>
-        </p:sp>
-        <p:sp>
-          <p:nvSpPr>
-            <p:cNvPr id="404" name="Google Shape;404;p37"/>
-            <p:cNvSpPr/>
-            <p:nvPr/>
-          </p:nvSpPr>
-          <p:spPr>
-            <a:xfrm>
-              <a:off x="1369600" y="2503125"/>
-              <a:ext cx="43875" cy="47525"/>
-            </a:xfrm>
-            <a:custGeom>
-              <a:avLst/>
-              <a:gdLst/>
-              <a:ahLst/>
-              <a:cxnLst/>
-              <a:rect l="l" t="t" r="r" b="b"/>
-              <a:pathLst>
-                <a:path w="1755" h="1901" fill="none" extrusionOk="0">
-                  <a:moveTo>
-                    <a:pt x="878" y="0"/>
-                  </a:moveTo>
-                  <a:lnTo>
-                    <a:pt x="878" y="0"/>
-                  </a:lnTo>
-                  <a:lnTo>
-                    <a:pt x="1048" y="25"/>
-                  </a:lnTo>
-                  <a:lnTo>
-                    <a:pt x="1219" y="73"/>
-                  </a:lnTo>
-                  <a:lnTo>
-                    <a:pt x="1365" y="171"/>
-                  </a:lnTo>
-                  <a:lnTo>
-                    <a:pt x="1511" y="268"/>
-                  </a:lnTo>
-                  <a:lnTo>
-                    <a:pt x="1608" y="414"/>
-                  </a:lnTo>
-                  <a:lnTo>
-                    <a:pt x="1681" y="585"/>
-                  </a:lnTo>
-                  <a:lnTo>
-                    <a:pt x="1730" y="755"/>
-                  </a:lnTo>
-                  <a:lnTo>
-                    <a:pt x="1754" y="950"/>
-                  </a:lnTo>
-                  <a:lnTo>
-                    <a:pt x="1754" y="950"/>
-                  </a:lnTo>
-                  <a:lnTo>
-                    <a:pt x="1730" y="1145"/>
-                  </a:lnTo>
-                  <a:lnTo>
-                    <a:pt x="1681" y="1316"/>
-                  </a:lnTo>
-                  <a:lnTo>
-                    <a:pt x="1608" y="1486"/>
-                  </a:lnTo>
-                  <a:lnTo>
-                    <a:pt x="1511" y="1632"/>
-                  </a:lnTo>
-                  <a:lnTo>
-                    <a:pt x="1365" y="1730"/>
-                  </a:lnTo>
-                  <a:lnTo>
-                    <a:pt x="1219" y="1827"/>
-                  </a:lnTo>
-                  <a:lnTo>
-                    <a:pt x="1048" y="1876"/>
-                  </a:lnTo>
-                  <a:lnTo>
-                    <a:pt x="878" y="1900"/>
-                  </a:lnTo>
-                  <a:lnTo>
-                    <a:pt x="878" y="1900"/>
-                  </a:lnTo>
-                  <a:lnTo>
-                    <a:pt x="707" y="1876"/>
-                  </a:lnTo>
-                  <a:lnTo>
-                    <a:pt x="537" y="1827"/>
-                  </a:lnTo>
-                  <a:lnTo>
-                    <a:pt x="391" y="1730"/>
-                  </a:lnTo>
-                  <a:lnTo>
-                    <a:pt x="244" y="1632"/>
-                  </a:lnTo>
-                  <a:lnTo>
-                    <a:pt x="147" y="1486"/>
-                  </a:lnTo>
-                  <a:lnTo>
-                    <a:pt x="74" y="1316"/>
-                  </a:lnTo>
-                  <a:lnTo>
-                    <a:pt x="25" y="1145"/>
-                  </a:lnTo>
-                  <a:lnTo>
-                    <a:pt x="1" y="950"/>
-                  </a:lnTo>
-                  <a:lnTo>
-                    <a:pt x="1" y="950"/>
-                  </a:lnTo>
-                  <a:lnTo>
-                    <a:pt x="25" y="755"/>
-                  </a:lnTo>
-                  <a:lnTo>
-                    <a:pt x="74" y="585"/>
-                  </a:lnTo>
-                  <a:lnTo>
-                    <a:pt x="147" y="414"/>
-                  </a:lnTo>
-                  <a:lnTo>
-                    <a:pt x="244" y="268"/>
-                  </a:lnTo>
-                  <a:lnTo>
-                    <a:pt x="391" y="171"/>
-                  </a:lnTo>
-                  <a:lnTo>
-                    <a:pt x="537" y="73"/>
-                  </a:lnTo>
-                  <a:lnTo>
-                    <a:pt x="707" y="25"/>
-                  </a:lnTo>
-                  <a:lnTo>
-                    <a:pt x="878" y="0"/>
-                  </a:lnTo>
-                  <a:lnTo>
-                    <a:pt x="878" y="0"/>
-                  </a:lnTo>
-                </a:path>
-              </a:pathLst>
-            </a:custGeom>
-            <a:noFill/>
-            <a:ln w="12175" cap="rnd" cmpd="sng">
-              <a:solidFill>
-                <a:srgbClr val="B7B7B7"/>
-              </a:solidFill>
-              <a:prstDash val="solid"/>
-              <a:round/>
-              <a:headEnd type="none" w="sm" len="sm"/>
-              <a:tailEnd type="none" w="sm" len="sm"/>
-            </a:ln>
-          </p:spPr>
-          <p:txBody>
-            <a:bodyPr spcFirstLastPara="1" wrap="square" lIns="91425" tIns="91425" rIns="91425" bIns="91425" anchor="ctr" anchorCtr="0">
-              <a:noAutofit/>
-            </a:bodyPr>
-            <a:lstStyle/>
-            <a:p>
-              <a:pPr marL="0" lvl="0" indent="0" algn="l" rtl="0">
-                <a:spcBef>
-                  <a:spcPts val="0"/>
-                </a:spcBef>
-                <a:spcAft>
-                  <a:spcPts val="0"/>
-                </a:spcAft>
-                <a:buNone/>
-              </a:pPr>
-              <a:endParaRPr/>
-            </a:p>
-          </p:txBody>
-        </p:sp>
-        <p:sp>
-          <p:nvSpPr>
-            <p:cNvPr id="405" name="Google Shape;405;p37"/>
-            <p:cNvSpPr/>
-            <p:nvPr/>
-          </p:nvSpPr>
-          <p:spPr>
-            <a:xfrm>
-              <a:off x="1369600" y="2604200"/>
-              <a:ext cx="199750" cy="40825"/>
-            </a:xfrm>
-            <a:custGeom>
-              <a:avLst/>
-              <a:gdLst/>
-              <a:ahLst/>
-              <a:cxnLst/>
-              <a:rect l="l" t="t" r="r" b="b"/>
-              <a:pathLst>
-                <a:path w="7990" h="1633" fill="none" extrusionOk="0">
-                  <a:moveTo>
-                    <a:pt x="7989" y="0"/>
-                  </a:moveTo>
-                  <a:lnTo>
-                    <a:pt x="7989" y="0"/>
-                  </a:lnTo>
-                  <a:lnTo>
-                    <a:pt x="7575" y="366"/>
-                  </a:lnTo>
-                  <a:lnTo>
-                    <a:pt x="7137" y="707"/>
-                  </a:lnTo>
-                  <a:lnTo>
-                    <a:pt x="6650" y="975"/>
-                  </a:lnTo>
-                  <a:lnTo>
-                    <a:pt x="6163" y="1218"/>
-                  </a:lnTo>
-                  <a:lnTo>
-                    <a:pt x="5627" y="1389"/>
-                  </a:lnTo>
-                  <a:lnTo>
-                    <a:pt x="5115" y="1535"/>
-                  </a:lnTo>
-                  <a:lnTo>
-                    <a:pt x="4555" y="1608"/>
-                  </a:lnTo>
-                  <a:lnTo>
-                    <a:pt x="3995" y="1632"/>
-                  </a:lnTo>
-                  <a:lnTo>
-                    <a:pt x="3995" y="1632"/>
-                  </a:lnTo>
-                  <a:lnTo>
-                    <a:pt x="3435" y="1608"/>
-                  </a:lnTo>
-                  <a:lnTo>
-                    <a:pt x="2875" y="1535"/>
-                  </a:lnTo>
-                  <a:lnTo>
-                    <a:pt x="2363" y="1389"/>
-                  </a:lnTo>
-                  <a:lnTo>
-                    <a:pt x="1828" y="1218"/>
-                  </a:lnTo>
-                  <a:lnTo>
-                    <a:pt x="1340" y="975"/>
-                  </a:lnTo>
-                  <a:lnTo>
-                    <a:pt x="853" y="707"/>
-                  </a:lnTo>
-                  <a:lnTo>
-                    <a:pt x="415" y="366"/>
-                  </a:lnTo>
-                  <a:lnTo>
-                    <a:pt x="1" y="0"/>
-                  </a:lnTo>
-                </a:path>
-              </a:pathLst>
-            </a:custGeom>
-            <a:noFill/>
-            <a:ln w="12175" cap="rnd" cmpd="sng">
-              <a:solidFill>
-                <a:srgbClr val="B7B7B7"/>
-              </a:solidFill>
-              <a:prstDash val="solid"/>
-              <a:round/>
-              <a:headEnd type="none" w="sm" len="sm"/>
-              <a:tailEnd type="none" w="sm" len="sm"/>
-            </a:ln>
-          </p:spPr>
-          <p:txBody>
-            <a:bodyPr spcFirstLastPara="1" wrap="square" lIns="91425" tIns="91425" rIns="91425" bIns="91425" anchor="ctr" anchorCtr="0">
-              <a:noAutofit/>
-            </a:bodyPr>
-            <a:lstStyle/>
-            <a:p>
-              <a:pPr marL="0" lvl="0" indent="0" algn="l" rtl="0">
-                <a:spcBef>
-                  <a:spcPts val="0"/>
-                </a:spcBef>
-                <a:spcAft>
-                  <a:spcPts val="0"/>
-                </a:spcAft>
-                <a:buNone/>
-              </a:pPr>
-              <a:endParaRPr/>
-            </a:p>
-          </p:txBody>
-        </p:sp>
-      </p:grpSp>
-      <p:sp>
-        <p:nvSpPr>
           <p:cNvPr id="406" name="Google Shape;406;p37"/>
           <p:cNvSpPr txBox="1">
             <a:spLocks noGrp="1"/>
@@ -7453,6 +6459,88 @@
               <a:t>10</a:t>
             </a:fld>
             <a:endParaRPr/>
+          </a:p>
+        </p:txBody>
+      </p:sp>
+      <p:sp>
+        <p:nvSpPr>
+          <p:cNvPr id="14" name="BlokTextu 13">
+            <a:extLst>
+              <a:ext uri="{FF2B5EF4-FFF2-40B4-BE49-F238E27FC236}">
+                <a16:creationId xmlns:a16="http://schemas.microsoft.com/office/drawing/2014/main" id="{8EA06676-F141-4689-8EA8-2C65BF6602F6}"/>
+              </a:ext>
+            </a:extLst>
+          </p:cNvPr>
+          <p:cNvSpPr txBox="1"/>
+          <p:nvPr/>
+        </p:nvSpPr>
+        <p:spPr>
+          <a:xfrm>
+            <a:off x="645300" y="4337636"/>
+            <a:ext cx="4572000" cy="276999"/>
+          </a:xfrm>
+          <a:prstGeom prst="rect">
+            <a:avLst/>
+          </a:prstGeom>
+          <a:noFill/>
+        </p:spPr>
+        <p:txBody>
+          <a:bodyPr wrap="square">
+            <a:spAutoFit/>
+          </a:bodyPr>
+          <a:lstStyle/>
+          <a:p>
+            <a:pPr marL="0" marR="0" lvl="0" indent="0" algn="l" defTabSz="914400" rtl="0" eaLnBrk="1" fontAlgn="auto" latinLnBrk="0" hangingPunct="1">
+              <a:lnSpc>
+                <a:spcPct val="100000"/>
+              </a:lnSpc>
+              <a:spcBef>
+                <a:spcPts val="0"/>
+              </a:spcBef>
+              <a:spcAft>
+                <a:spcPts val="0"/>
+              </a:spcAft>
+              <a:buClr>
+                <a:srgbClr val="000000"/>
+              </a:buClr>
+              <a:buSzTx/>
+              <a:buFont typeface="Arial"/>
+              <a:buNone/>
+              <a:tabLst/>
+              <a:defRPr/>
+            </a:pPr>
+            <a:r>
+              <a:rPr kumimoji="0" lang="sk-SK" sz="1200" b="0" i="0" u="none" strike="noStrike" kern="0" cap="none" spc="0" normalizeH="0" baseline="0" noProof="0" dirty="0">
+                <a:ln>
+                  <a:noFill/>
+                </a:ln>
+                <a:solidFill>
+                  <a:srgbClr val="666666"/>
+                </a:solidFill>
+                <a:effectLst/>
+                <a:uLnTx/>
+                <a:uFillTx/>
+                <a:latin typeface="Karla"/>
+                <a:cs typeface="Arial"/>
+                <a:sym typeface="Karla"/>
+                <a:hlinkClick r:id="rId3"/>
+              </a:rPr>
+              <a:t>https://github.com/TvarozekRastislav/Little-Misko</a:t>
+            </a:r>
+            <a:endParaRPr kumimoji="0" lang="sk-SK" sz="1000" b="0" i="0" u="none" strike="noStrike" kern="0" cap="none" spc="0" normalizeH="0" baseline="0" noProof="0" dirty="0">
+              <a:ln>
+                <a:noFill/>
+              </a:ln>
+              <a:solidFill>
+                <a:srgbClr val="000000"/>
+              </a:solidFill>
+              <a:effectLst/>
+              <a:uLnTx/>
+              <a:uFillTx/>
+              <a:latin typeface="Arial"/>
+              <a:cs typeface="Arial"/>
+              <a:sym typeface="Arial"/>
+            </a:endParaRPr>
           </a:p>
         </p:txBody>
       </p:sp>
@@ -10073,7 +9161,7 @@
         </p:blipFill>
         <p:spPr bwMode="auto">
           <a:xfrm flipH="1">
-            <a:off x="6245235" y="2230269"/>
+            <a:off x="6238365" y="2188749"/>
             <a:ext cx="446801" cy="446801"/>
           </a:xfrm>
           <a:prstGeom prst="rect">
@@ -10120,7 +9208,7 @@
         </p:blipFill>
         <p:spPr bwMode="auto">
           <a:xfrm>
-            <a:off x="6842976" y="2996566"/>
+            <a:off x="6842976" y="3053715"/>
             <a:ext cx="369339" cy="408137"/>
           </a:xfrm>
           <a:prstGeom prst="rect">
@@ -10432,7 +9520,7 @@
         </p:blipFill>
         <p:spPr bwMode="auto">
           <a:xfrm>
-            <a:off x="6817064" y="2300696"/>
+            <a:off x="6822706" y="2300696"/>
             <a:ext cx="395775" cy="395775"/>
           </a:xfrm>
           <a:prstGeom prst="rect">
@@ -10997,7 +10085,7 @@
         </p:nvCxnSpPr>
         <p:spPr>
           <a:xfrm>
-            <a:off x="6810518" y="2846518"/>
+            <a:off x="6810518" y="2881785"/>
             <a:ext cx="401797" cy="0"/>
           </a:xfrm>
           <a:prstGeom prst="straightConnector1">
@@ -11334,6 +10422,175 @@
           </a:extLst>
         </p:spPr>
       </p:pic>
+      <p:cxnSp>
+        <p:nvCxnSpPr>
+          <p:cNvPr id="43" name="Rovná spojovacia šípka 42">
+            <a:extLst>
+              <a:ext uri="{FF2B5EF4-FFF2-40B4-BE49-F238E27FC236}">
+                <a16:creationId xmlns:a16="http://schemas.microsoft.com/office/drawing/2014/main" id="{4B2BB1CE-A0CF-42A2-BAFC-BA10AD19B00A}"/>
+              </a:ext>
+            </a:extLst>
+          </p:cNvPr>
+          <p:cNvCxnSpPr>
+            <a:cxnSpLocks/>
+          </p:cNvCxnSpPr>
+          <p:nvPr/>
+        </p:nvCxnSpPr>
+        <p:spPr>
+          <a:xfrm>
+            <a:off x="6283369" y="2881785"/>
+            <a:ext cx="401797" cy="0"/>
+          </a:xfrm>
+          <a:prstGeom prst="straightConnector1">
+            <a:avLst/>
+          </a:prstGeom>
+          <a:ln w="76200">
+            <a:tailEnd type="triangle"/>
+          </a:ln>
+        </p:spPr>
+        <p:style>
+          <a:lnRef idx="1">
+            <a:schemeClr val="dk1"/>
+          </a:lnRef>
+          <a:fillRef idx="0">
+            <a:schemeClr val="dk1"/>
+          </a:fillRef>
+          <a:effectRef idx="0">
+            <a:schemeClr val="dk1"/>
+          </a:effectRef>
+          <a:fontRef idx="minor">
+            <a:schemeClr val="tx1"/>
+          </a:fontRef>
+        </p:style>
+      </p:cxnSp>
+      <p:pic>
+        <p:nvPicPr>
+          <p:cNvPr id="44" name="Picture 8" descr="Python (programming language) - Wikipedia">
+            <a:extLst>
+              <a:ext uri="{FF2B5EF4-FFF2-40B4-BE49-F238E27FC236}">
+                <a16:creationId xmlns:a16="http://schemas.microsoft.com/office/drawing/2014/main" id="{57BB588A-264D-4DC5-9BA5-2D44D213B8EA}"/>
+              </a:ext>
+            </a:extLst>
+          </p:cNvPr>
+          <p:cNvPicPr>
+            <a:picLocks noChangeAspect="1" noChangeArrowheads="1"/>
+          </p:cNvPicPr>
+          <p:nvPr/>
+        </p:nvPicPr>
+        <p:blipFill>
+          <a:blip r:embed="rId8">
+            <a:extLst>
+              <a:ext uri="{28A0092B-C50C-407E-A947-70E740481C1C}">
+                <a14:useLocalDpi xmlns:a14="http://schemas.microsoft.com/office/drawing/2010/main" val="0"/>
+              </a:ext>
+            </a:extLst>
+          </a:blip>
+          <a:srcRect/>
+          <a:stretch>
+            <a:fillRect/>
+          </a:stretch>
+        </p:blipFill>
+        <p:spPr bwMode="auto">
+          <a:xfrm>
+            <a:off x="6295950" y="3046139"/>
+            <a:ext cx="358050" cy="358050"/>
+          </a:xfrm>
+          <a:prstGeom prst="rect">
+            <a:avLst/>
+          </a:prstGeom>
+          <a:noFill/>
+          <a:extLst>
+            <a:ext uri="{909E8E84-426E-40DD-AFC4-6F175D3DCCD1}">
+              <a14:hiddenFill xmlns:a14="http://schemas.microsoft.com/office/drawing/2010/main">
+                <a:solidFill>
+                  <a:srgbClr val="FFFFFF"/>
+                </a:solidFill>
+              </a14:hiddenFill>
+            </a:ext>
+          </a:extLst>
+        </p:spPr>
+      </p:pic>
+      <p:sp>
+        <p:nvSpPr>
+          <p:cNvPr id="46" name="BlokTextu 45">
+            <a:extLst>
+              <a:ext uri="{FF2B5EF4-FFF2-40B4-BE49-F238E27FC236}">
+                <a16:creationId xmlns:a16="http://schemas.microsoft.com/office/drawing/2014/main" id="{52F5EA0D-B031-4023-8AFC-3F56001BD0E2}"/>
+              </a:ext>
+            </a:extLst>
+          </p:cNvPr>
+          <p:cNvSpPr txBox="1"/>
+          <p:nvPr/>
+        </p:nvSpPr>
+        <p:spPr>
+          <a:xfrm>
+            <a:off x="6130369" y="2586525"/>
+            <a:ext cx="876586" cy="200055"/>
+          </a:xfrm>
+          <a:prstGeom prst="rect">
+            <a:avLst/>
+          </a:prstGeom>
+          <a:noFill/>
+        </p:spPr>
+        <p:txBody>
+          <a:bodyPr wrap="square">
+            <a:spAutoFit/>
+          </a:bodyPr>
+          <a:lstStyle/>
+          <a:p>
+            <a:pPr marL="0" marR="0" lvl="0" indent="0" algn="l" defTabSz="914400" rtl="0" eaLnBrk="1" fontAlgn="auto" latinLnBrk="0" hangingPunct="1">
+              <a:lnSpc>
+                <a:spcPct val="100000"/>
+              </a:lnSpc>
+              <a:spcBef>
+                <a:spcPts val="0"/>
+              </a:spcBef>
+              <a:spcAft>
+                <a:spcPts val="0"/>
+              </a:spcAft>
+              <a:buClr>
+                <a:srgbClr val="000000"/>
+              </a:buClr>
+              <a:buSzTx/>
+              <a:buFont typeface="Arial"/>
+              <a:buNone/>
+              <a:tabLst/>
+              <a:defRPr/>
+            </a:pPr>
+            <a:r>
+              <a:rPr kumimoji="0" lang="sk-SK" sz="700" b="0" i="0" u="none" strike="noStrike" kern="0" cap="none" spc="0" normalizeH="0" baseline="0" noProof="0" dirty="0" err="1">
+                <a:ln>
+                  <a:noFill/>
+                </a:ln>
+                <a:solidFill>
+                  <a:srgbClr val="666666"/>
+                </a:solidFill>
+                <a:effectLst/>
+                <a:uLnTx/>
+                <a:uFillTx/>
+                <a:latin typeface="Karla"/>
+                <a:cs typeface="Arial"/>
+                <a:sym typeface="Karla"/>
+              </a:rPr>
+              <a:t>micromlgen</a:t>
+            </a:r>
+            <a:endParaRPr kumimoji="0" lang="sk-SK" sz="400" b="0" i="0" u="none" strike="noStrike" kern="0" cap="none" spc="0" normalizeH="0" baseline="0" noProof="0" dirty="0">
+              <a:ln>
+                <a:noFill/>
+              </a:ln>
+              <a:solidFill>
+                <a:srgbClr val="000000"/>
+              </a:solidFill>
+              <a:effectLst/>
+              <a:uLnTx/>
+              <a:uFillTx/>
+              <a:latin typeface="Arial"/>
+              <a:cs typeface="Arial"/>
+              <a:sym typeface="Arial"/>
+            </a:endParaRPr>
+          </a:p>
+        </p:txBody>
+      </p:sp>
     </p:spTree>
   </p:cSld>
   <p:clrMapOvr>
@@ -11348,7 +10605,10 @@
     <p:bg>
       <p:bgPr>
         <a:solidFill>
-          <a:srgbClr val="9C27B0"/>
+          <a:schemeClr val="accent2">
+            <a:lumMod val="60000"/>
+            <a:lumOff val="40000"/>
+          </a:schemeClr>
         </a:solidFill>
         <a:effectLst/>
       </p:bgPr>
@@ -11425,8 +10685,8 @@
         </p:nvSpPr>
         <p:spPr>
           <a:xfrm>
-            <a:off x="840999" y="1600975"/>
-            <a:ext cx="5441813" cy="2410500"/>
+            <a:off x="162572" y="1010263"/>
+            <a:ext cx="6842912" cy="3841955"/>
           </a:xfrm>
           <a:prstGeom prst="rect">
             <a:avLst/>
@@ -11438,35 +10698,136 @@
           </a:bodyPr>
           <a:lstStyle/>
           <a:p>
-            <a:pPr marL="0" lvl="0" indent="0" algn="l" rtl="0">
+            <a:pPr marL="285750" lvl="0" indent="-285750" algn="l" rtl="0">
               <a:spcBef>
                 <a:spcPts val="600"/>
               </a:spcBef>
               <a:spcAft>
                 <a:spcPts val="0"/>
               </a:spcAft>
-              <a:buNone/>
+              <a:buFontTx/>
+              <a:buChar char="-"/>
             </a:pPr>
             <a:r>
-              <a:rPr lang="en" b="1" dirty="0"/>
-              <a:t>Yellow</a:t>
+              <a:rPr lang="sk-SK" dirty="0"/>
+              <a:t>Napísať bakalársku prácu</a:t>
             </a:r>
-            <a:endParaRPr b="1" dirty="0"/>
           </a:p>
           <a:p>
-            <a:pPr marL="0" lvl="0" indent="0" algn="l" rtl="0">
+            <a:pPr marL="285750" lvl="0" indent="-285750" algn="l" rtl="0">
               <a:spcBef>
                 <a:spcPts val="600"/>
               </a:spcBef>
               <a:spcAft>
                 <a:spcPts val="0"/>
               </a:spcAft>
-              <a:buNone/>
+              <a:buFontTx/>
+              <a:buChar char="-"/>
             </a:pPr>
             <a:r>
-              <a:rPr lang="en" dirty="0"/>
-              <a:t>Is the color of gold, butter and ripe lemons. In the spectrum of visible light, yellow is found between green and orange.</a:t>
+              <a:rPr lang="sk-SK" dirty="0"/>
+              <a:t>Pripojiť display</a:t>
             </a:r>
+          </a:p>
+          <a:p>
+            <a:pPr marL="285750" lvl="0" indent="-285750" algn="l" rtl="0">
+              <a:spcBef>
+                <a:spcPts val="600"/>
+              </a:spcBef>
+              <a:spcAft>
+                <a:spcPts val="0"/>
+              </a:spcAft>
+              <a:buFontTx/>
+              <a:buChar char="-"/>
+            </a:pPr>
+            <a:r>
+              <a:rPr lang="sk-SK" dirty="0"/>
+              <a:t>Pripojiť predný senzor</a:t>
+            </a:r>
+          </a:p>
+          <a:p>
+            <a:pPr marL="285750" lvl="0" indent="-285750" algn="l" rtl="0">
+              <a:spcBef>
+                <a:spcPts val="600"/>
+              </a:spcBef>
+              <a:spcAft>
+                <a:spcPts val="0"/>
+              </a:spcAft>
+              <a:buFontTx/>
+              <a:buChar char="-"/>
+            </a:pPr>
+            <a:r>
+              <a:rPr lang="sk-SK" dirty="0"/>
+              <a:t>Upraviť kód(„</a:t>
+            </a:r>
+            <a:r>
+              <a:rPr lang="sk-SK" dirty="0" err="1"/>
+              <a:t>multithreading</a:t>
+            </a:r>
+            <a:r>
+              <a:rPr lang="sk-SK" dirty="0"/>
+              <a:t> “,automatické spúšťanie skriptov)</a:t>
+            </a:r>
+          </a:p>
+          <a:p>
+            <a:pPr marL="285750" lvl="0" indent="-285750" algn="l" rtl="0">
+              <a:spcBef>
+                <a:spcPts val="600"/>
+              </a:spcBef>
+              <a:spcAft>
+                <a:spcPts val="0"/>
+              </a:spcAft>
+              <a:buFontTx/>
+              <a:buChar char="-"/>
+            </a:pPr>
+            <a:r>
+              <a:rPr lang="sk-SK" dirty="0"/>
+              <a:t>Optimalizácia modelu</a:t>
+            </a:r>
+          </a:p>
+          <a:p>
+            <a:pPr marL="285750" lvl="0" indent="-285750" algn="l" rtl="0">
+              <a:spcBef>
+                <a:spcPts val="600"/>
+              </a:spcBef>
+              <a:spcAft>
+                <a:spcPts val="0"/>
+              </a:spcAft>
+              <a:buFontTx/>
+              <a:buChar char="-"/>
+            </a:pPr>
+            <a:r>
+              <a:rPr lang="sk-SK" dirty="0"/>
+              <a:t>Vizuálna úprava kabeláže</a:t>
+            </a:r>
+          </a:p>
+          <a:p>
+            <a:pPr marL="285750" lvl="0" indent="-285750" algn="l" rtl="0">
+              <a:spcBef>
+                <a:spcPts val="600"/>
+              </a:spcBef>
+              <a:spcAft>
+                <a:spcPts val="0"/>
+              </a:spcAft>
+              <a:buFontTx/>
+              <a:buChar char="-"/>
+            </a:pPr>
+            <a:r>
+              <a:rPr lang="sk-SK" dirty="0"/>
+              <a:t>Otestovanie funkčnosti</a:t>
+            </a:r>
+          </a:p>
+          <a:p>
+            <a:pPr marL="285750" lvl="0" indent="-285750" algn="l" rtl="0">
+              <a:spcBef>
+                <a:spcPts val="600"/>
+              </a:spcBef>
+              <a:spcAft>
+                <a:spcPts val="0"/>
+              </a:spcAft>
+              <a:buFontTx/>
+              <a:buChar char="-"/>
+            </a:pPr>
             <a:endParaRPr dirty="0"/>
           </a:p>
         </p:txBody>

--- a/presentation/BP-prezentácia.pptx
+++ b/presentation/BP-prezentácia.pptx
@@ -10797,6 +10797,23 @@
               <a:buChar char="-"/>
             </a:pPr>
             <a:r>
+              <a:rPr lang="sk-SK"/>
+              <a:t>Optimalizácia kódu</a:t>
+            </a:r>
+            <a:endParaRPr lang="sk-SK" dirty="0"/>
+          </a:p>
+          <a:p>
+            <a:pPr marL="285750" lvl="0" indent="-285750" algn="l" rtl="0">
+              <a:spcBef>
+                <a:spcPts val="600"/>
+              </a:spcBef>
+              <a:spcAft>
+                <a:spcPts val="0"/>
+              </a:spcAft>
+              <a:buFontTx/>
+              <a:buChar char="-"/>
+            </a:pPr>
+            <a:r>
               <a:rPr lang="sk-SK" dirty="0"/>
               <a:t>Vizuálna úprava kabeláže</a:t>
             </a:r>

--- a/presentation/BP-prezentácia.pptx
+++ b/presentation/BP-prezentácia.pptx
@@ -10797,10 +10797,9 @@
               <a:buChar char="-"/>
             </a:pPr>
             <a:r>
-              <a:rPr lang="sk-SK"/>
+              <a:rPr lang="sk-SK" dirty="0"/>
               <a:t>Optimalizácia kódu</a:t>
             </a:r>
-            <a:endParaRPr lang="sk-SK" dirty="0"/>
           </a:p>
           <a:p>
             <a:pPr marL="285750" lvl="0" indent="-285750" algn="l" rtl="0">
@@ -10833,6 +10832,27 @@
               <a:rPr lang="sk-SK" dirty="0"/>
               <a:t>Otestovanie funkčnosti</a:t>
             </a:r>
+          </a:p>
+          <a:p>
+            <a:pPr marL="285750" lvl="0" indent="-285750" algn="l" rtl="0">
+              <a:spcBef>
+                <a:spcPts val="600"/>
+              </a:spcBef>
+              <a:spcAft>
+                <a:spcPts val="0"/>
+              </a:spcAft>
+              <a:buFontTx/>
+              <a:buChar char="-"/>
+            </a:pPr>
+            <a:r>
+              <a:rPr lang="sk-SK" dirty="0"/>
+              <a:t>Grafické znázornenie </a:t>
+            </a:r>
+            <a:r>
+              <a:rPr lang="sk-SK"/>
+              <a:t>SVM </a:t>
+            </a:r>
+            <a:endParaRPr lang="sk-SK" dirty="0"/>
           </a:p>
           <a:p>
             <a:pPr marL="285750" lvl="0" indent="-285750" algn="l" rtl="0">

--- a/presentation/BP-prezentácia.pptx
+++ b/presentation/BP-prezentácia.pptx
@@ -10726,7 +10726,7 @@
             </a:pPr>
             <a:r>
               <a:rPr lang="sk-SK" dirty="0"/>
-              <a:t>Pripojiť display</a:t>
+              <a:t>Optimalizovať display</a:t>
             </a:r>
           </a:p>
           <a:p>
@@ -10742,7 +10742,7 @@
             </a:pPr>
             <a:r>
               <a:rPr lang="sk-SK" dirty="0"/>
-              <a:t>Pripojiť predný senzor</a:t>
+              <a:t>Predný senzor program</a:t>
             </a:r>
           </a:p>
           <a:p>
@@ -10846,13 +10846,8 @@
             </a:pPr>
             <a:r>
               <a:rPr lang="sk-SK" dirty="0"/>
-              <a:t>Grafické znázornenie </a:t>
+              <a:t>Grafické znázornenie SVM </a:t>
             </a:r>
-            <a:r>
-              <a:rPr lang="sk-SK"/>
-              <a:t>SVM </a:t>
-            </a:r>
-            <a:endParaRPr lang="sk-SK" dirty="0"/>
           </a:p>
           <a:p>
             <a:pPr marL="285750" lvl="0" indent="-285750" algn="l" rtl="0">

--- a/presentation/BP-prezentácia.pptx
+++ b/presentation/BP-prezentácia.pptx
@@ -1015,7 +1015,19 @@
               </a:spcAft>
               <a:buNone/>
             </a:pPr>
-            <a:endParaRPr/>
+            <a:r>
+              <a:rPr lang="sk-SK" dirty="0"/>
+              <a:t>Abstrahovanie </a:t>
+            </a:r>
+            <a:r>
+              <a:rPr lang="sk-SK" dirty="0" err="1"/>
+              <a:t>kvoli</a:t>
+            </a:r>
+            <a:r>
+              <a:rPr lang="sk-SK" dirty="0"/>
+              <a:t> času</a:t>
+            </a:r>
+            <a:endParaRPr dirty="0"/>
           </a:p>
         </p:txBody>
       </p:sp>
@@ -1119,7 +1131,31 @@
               </a:spcAft>
               <a:buNone/>
             </a:pPr>
-            <a:endParaRPr/>
+            <a:r>
+              <a:rPr lang="sk-SK" dirty="0"/>
+              <a:t>Výzva, novinka, dielna súčiastky, všetko je jednoduché , Medicína jeden </a:t>
+            </a:r>
+            <a:r>
+              <a:rPr lang="sk-SK" dirty="0" err="1"/>
+              <a:t>chladiak</a:t>
+            </a:r>
+            <a:r>
+              <a:rPr lang="sk-SK" dirty="0"/>
+              <a:t> jeden </a:t>
+            </a:r>
+            <a:r>
+              <a:rPr lang="sk-SK" dirty="0" err="1"/>
+              <a:t>robo</a:t>
+            </a:r>
+            <a:r>
+              <a:rPr lang="sk-SK" dirty="0"/>
+              <a:t> za sebou ambulancie </a:t>
+            </a:r>
+            <a:r>
+              <a:rPr lang="sk-SK" dirty="0" err="1"/>
+              <a:t>ciary</a:t>
+            </a:r>
+            <a:endParaRPr dirty="0"/>
           </a:p>
         </p:txBody>
       </p:sp>
@@ -1223,7 +1259,27 @@
               </a:spcAft>
               <a:buNone/>
             </a:pPr>
-            <a:endParaRPr/>
+            <a:r>
+              <a:rPr lang="sk-SK" dirty="0" err="1"/>
+              <a:t>Niekolko</a:t>
+            </a:r>
+            <a:r>
+              <a:rPr lang="sk-SK" dirty="0"/>
+              <a:t> </a:t>
+            </a:r>
+            <a:r>
+              <a:rPr lang="sk-SK" dirty="0" err="1"/>
+              <a:t>wifi</a:t>
+            </a:r>
+            <a:r>
+              <a:rPr lang="sk-SK" dirty="0"/>
+              <a:t> </a:t>
+            </a:r>
+            <a:r>
+              <a:rPr lang="sk-SK" dirty="0" err="1"/>
+              <a:t>sietii</a:t>
+            </a:r>
+            <a:endParaRPr dirty="0"/>
           </a:p>
         </p:txBody>
       </p:sp>
@@ -1327,7 +1383,23 @@
               </a:spcAft>
               <a:buNone/>
             </a:pPr>
-            <a:endParaRPr/>
+            <a:r>
+              <a:rPr lang="sk-SK" dirty="0"/>
+              <a:t>Zbiera údaje ako až na </a:t>
+            </a:r>
+            <a:r>
+              <a:rPr lang="sk-SK" dirty="0" err="1"/>
+              <a:t>dalšom</a:t>
+            </a:r>
+            <a:r>
+              <a:rPr lang="sk-SK" dirty="0"/>
+              <a:t> </a:t>
+            </a:r>
+            <a:r>
+              <a:rPr lang="sk-SK" dirty="0" err="1"/>
+              <a:t>slajde</a:t>
+            </a:r>
+            <a:endParaRPr dirty="0"/>
           </a:p>
         </p:txBody>
       </p:sp>
@@ -1431,7 +1503,27 @@
               </a:spcAft>
               <a:buNone/>
             </a:pPr>
-            <a:endParaRPr/>
+            <a:r>
+              <a:rPr lang="sk-SK" dirty="0"/>
+              <a:t>Popísať </a:t>
+            </a:r>
+            <a:r>
+              <a:rPr lang="sk-SK" dirty="0" err="1"/>
+              <a:t>jednotilive</a:t>
+            </a:r>
+            <a:r>
+              <a:rPr lang="sk-SK" dirty="0"/>
+              <a:t> prvky prečo nie </a:t>
+            </a:r>
+            <a:r>
+              <a:rPr lang="sk-SK" dirty="0" err="1"/>
+              <a:t>siu</a:t>
+            </a:r>
+            <a:r>
+              <a:rPr lang="sk-SK" dirty="0"/>
+              <a:t> zapojene</a:t>
+            </a:r>
+            <a:endParaRPr dirty="0"/>
           </a:p>
         </p:txBody>
       </p:sp>
@@ -1535,7 +1627,15 @@
               </a:spcAft>
               <a:buNone/>
             </a:pPr>
-            <a:endParaRPr/>
+            <a:r>
+              <a:rPr lang="sk-SK" dirty="0" err="1"/>
+              <a:t>Popisat</a:t>
+            </a:r>
+            <a:r>
+              <a:rPr lang="sk-SK" dirty="0"/>
+              <a:t> fotografiu a logo</a:t>
+            </a:r>
+            <a:endParaRPr dirty="0"/>
           </a:p>
         </p:txBody>
       </p:sp>
@@ -1639,7 +1739,35 @@
               </a:spcAft>
               <a:buNone/>
             </a:pPr>
-            <a:endParaRPr/>
+            <a:r>
+              <a:rPr lang="sk-SK" dirty="0"/>
+              <a:t>Software popísať </a:t>
+            </a:r>
+            <a:r>
+              <a:rPr lang="sk-SK" dirty="0" err="1"/>
+              <a:t>jednotlive</a:t>
+            </a:r>
+            <a:r>
+              <a:rPr lang="sk-SK" dirty="0"/>
+              <a:t> </a:t>
+            </a:r>
+            <a:r>
+              <a:rPr lang="sk-SK" dirty="0" err="1"/>
+              <a:t>subory</a:t>
+            </a:r>
+            <a:endParaRPr lang="sk-SK" dirty="0"/>
+          </a:p>
+          <a:p>
+            <a:pPr marL="0" lvl="0" indent="0" algn="l" rtl="0">
+              <a:spcBef>
+                <a:spcPts val="0"/>
+              </a:spcBef>
+              <a:spcAft>
+                <a:spcPts val="0"/>
+              </a:spcAft>
+              <a:buNone/>
+            </a:pPr>
+            <a:endParaRPr dirty="0"/>
           </a:p>
         </p:txBody>
       </p:sp>
@@ -6285,7 +6413,7 @@
                   <a:srgbClr val="FFC000"/>
                 </a:solidFill>
               </a:rPr>
-              <a:t>INTERIÉRY</a:t>
+              <a:t>INTERIÉRI</a:t>
             </a:r>
             <a:endParaRPr dirty="0">
               <a:solidFill>
@@ -10726,7 +10854,7 @@
             </a:pPr>
             <a:r>
               <a:rPr lang="sk-SK" dirty="0"/>
-              <a:t>Optimalizovať display</a:t>
+              <a:t>Pripojiť display</a:t>
             </a:r>
           </a:p>
           <a:p>
@@ -10746,13 +10874,7 @@
             </a:r>
           </a:p>
           <a:p>
-            <a:pPr marL="285750" lvl="0" indent="-285750" algn="l" rtl="0">
-              <a:spcBef>
-                <a:spcPts val="600"/>
-              </a:spcBef>
-              <a:spcAft>
-                <a:spcPts val="0"/>
-              </a:spcAft>
+            <a:pPr marL="285750" indent="-285750">
               <a:buFontTx/>
               <a:buChar char="-"/>
             </a:pPr>
@@ -10766,7 +10888,21 @@
             </a:r>
             <a:r>
               <a:rPr lang="sk-SK" dirty="0"/>
-              <a:t> “,automatické spúšťanie skriptov)</a:t>
+              <a:t> (</a:t>
+            </a:r>
+            <a:r>
+              <a:rPr lang="sk-SK" b="1" i="0" dirty="0" err="1">
+                <a:solidFill>
+                  <a:srgbClr val="666666"/>
+                </a:solidFill>
+                <a:effectLst/>
+                <a:latin typeface="Karla" pitchFamily="2" charset="-18"/>
+              </a:rPr>
+              <a:t>Protothreading</a:t>
+            </a:r>
+            <a:r>
+              <a:rPr lang="sk-SK" dirty="0"/>
+              <a:t>)“,automatické spúšťanie skriptov)</a:t>
             </a:r>
           </a:p>
           <a:p>

--- a/presentation/BP-prezentácia.pptx
+++ b/presentation/BP-prezentácia.pptx
@@ -7229,6 +7229,81 @@
   <p:clrMapOvr>
     <a:masterClrMapping/>
   </p:clrMapOvr>
+  <p:timing>
+    <p:tnLst>
+      <p:par>
+        <p:cTn id="1" dur="indefinite" restart="never" nodeType="tmRoot">
+          <p:childTnLst>
+            <p:seq concurrent="1" nextAc="seek">
+              <p:cTn id="2" dur="indefinite" nodeType="mainSeq">
+                <p:childTnLst>
+                  <p:par>
+                    <p:cTn id="3" fill="hold">
+                      <p:stCondLst>
+                        <p:cond delay="indefinite"/>
+                      </p:stCondLst>
+                      <p:childTnLst>
+                        <p:par>
+                          <p:cTn id="4" fill="hold">
+                            <p:stCondLst>
+                              <p:cond delay="0"/>
+                            </p:stCondLst>
+                            <p:childTnLst>
+                              <p:par>
+                                <p:cTn id="5" presetID="1" presetClass="entr" presetSubtype="0" fill="hold" nodeType="clickEffect">
+                                  <p:stCondLst>
+                                    <p:cond delay="0"/>
+                                  </p:stCondLst>
+                                  <p:childTnLst>
+                                    <p:set>
+                                      <p:cBhvr>
+                                        <p:cTn id="6" dur="1" fill="hold">
+                                          <p:stCondLst>
+                                            <p:cond delay="0"/>
+                                          </p:stCondLst>
+                                        </p:cTn>
+                                        <p:tgtEl>
+                                          <p:spTgt spid="3"/>
+                                        </p:tgtEl>
+                                        <p:attrNameLst>
+                                          <p:attrName>style.visibility</p:attrName>
+                                        </p:attrNameLst>
+                                      </p:cBhvr>
+                                      <p:to>
+                                        <p:strVal val="visible"/>
+                                      </p:to>
+                                    </p:set>
+                                  </p:childTnLst>
+                                </p:cTn>
+                              </p:par>
+                            </p:childTnLst>
+                          </p:cTn>
+                        </p:par>
+                      </p:childTnLst>
+                    </p:cTn>
+                  </p:par>
+                </p:childTnLst>
+              </p:cTn>
+              <p:prevCondLst>
+                <p:cond evt="onPrev" delay="0">
+                  <p:tgtEl>
+                    <p:sldTgt/>
+                  </p:tgtEl>
+                </p:cond>
+              </p:prevCondLst>
+              <p:nextCondLst>
+                <p:cond evt="onNext" delay="0">
+                  <p:tgtEl>
+                    <p:sldTgt/>
+                  </p:tgtEl>
+                </p:cond>
+              </p:nextCondLst>
+            </p:seq>
+          </p:childTnLst>
+        </p:cTn>
+      </p:par>
+    </p:tnLst>
+  </p:timing>
 </p:sld>
 </file>
 

--- a/presentation/BP-prezentácia.pptx
+++ b/presentation/BP-prezentácia.pptx
@@ -35,6 +35,13 @@
       <p:bold r:id="rId18"/>
       <p:italic r:id="rId19"/>
       <p:boldItalic r:id="rId20"/>
+    </p:embeddedFont>
+    <p:embeddedFont>
+      <p:font typeface="verdana" panose="020B0604030504040204" pitchFamily="34" charset="0"/>
+      <p:regular r:id="rId21"/>
+      <p:bold r:id="rId22"/>
+      <p:italic r:id="rId23"/>
+      <p:boldItalic r:id="rId24"/>
     </p:embeddedFont>
   </p:embeddedFontLst>
   <p:defaultTextStyle>
@@ -1399,6 +1406,14 @@
               <a:rPr lang="sk-SK" dirty="0" err="1"/>
               <a:t>slajde</a:t>
             </a:r>
+            <a:r>
+              <a:rPr lang="sk-SK" dirty="0"/>
+              <a:t>, otázky neváhajte </a:t>
+            </a:r>
+            <a:r>
+              <a:rPr lang="sk-SK"/>
+              <a:t>ma zastaviť</a:t>
+            </a:r>
             <a:endParaRPr dirty="0"/>
           </a:p>
         </p:txBody>
@@ -1754,6 +1769,38 @@
             <a:r>
               <a:rPr lang="sk-SK" dirty="0" err="1"/>
               <a:t>subory</a:t>
+            </a:r>
+            <a:r>
+              <a:rPr lang="sk-SK" dirty="0"/>
+              <a:t>. </a:t>
+            </a:r>
+            <a:r>
+              <a:rPr lang="sk-SK" dirty="0" err="1"/>
+              <a:t>Nasa</a:t>
+            </a:r>
+            <a:r>
+              <a:rPr lang="sk-SK" dirty="0"/>
+              <a:t> </a:t>
+            </a:r>
+            <a:r>
+              <a:rPr lang="sk-SK" dirty="0" err="1"/>
+              <a:t>space</a:t>
+            </a:r>
+            <a:r>
+              <a:rPr lang="sk-SK" dirty="0"/>
+              <a:t> x </a:t>
+            </a:r>
+            <a:r>
+              <a:rPr lang="sk-SK" dirty="0" err="1"/>
+              <a:t>úspešnos</a:t>
+            </a:r>
+            <a:r>
+              <a:rPr lang="sk-SK" dirty="0"/>
+              <a:t> </a:t>
+            </a:r>
+            <a:r>
+              <a:rPr lang="sk-SK" dirty="0" err="1"/>
+              <a:t>swm</a:t>
             </a:r>
             <a:endParaRPr lang="sk-SK" dirty="0"/>
           </a:p>
@@ -6405,7 +6452,7 @@
             </a:r>
             <a:r>
               <a:rPr lang="sk-SK" dirty="0"/>
-              <a:t>ROBOTICKÉHO VOZIDLA V </a:t>
+              <a:t>VOZIDLA V </a:t>
             </a:r>
             <a:r>
               <a:rPr lang="sk-SK" dirty="0">
@@ -6437,8 +6484,8 @@
         </p:nvSpPr>
         <p:spPr>
           <a:xfrm>
-            <a:off x="5530646" y="4774168"/>
-            <a:ext cx="3782960" cy="369332"/>
+            <a:off x="6673462" y="205556"/>
+            <a:ext cx="3782960" cy="276999"/>
           </a:xfrm>
           <a:prstGeom prst="rect">
             <a:avLst/>
@@ -6452,7 +6499,7 @@
           <a:lstStyle/>
           <a:p>
             <a:r>
-              <a:rPr lang="sk-SK" sz="1800" dirty="0">
+              <a:rPr lang="sk-SK" sz="1200" dirty="0">
                 <a:solidFill>
                   <a:schemeClr val="tx1">
                     <a:lumMod val="75000"/>
@@ -6460,8 +6507,126 @@
                 </a:solidFill>
                 <a:latin typeface="Montserrat" panose="020B0604020202020204" pitchFamily="2" charset="-18"/>
               </a:rPr>
-              <a:t>Vypracoval: Rastislav Tvarožek</a:t>
+              <a:t>Vypracoval: </a:t>
             </a:r>
+            <a:r>
+              <a:rPr lang="sk-SK" sz="1200" u="sng" dirty="0">
+                <a:solidFill>
+                  <a:schemeClr val="tx1">
+                    <a:lumMod val="75000"/>
+                  </a:schemeClr>
+                </a:solidFill>
+                <a:latin typeface="Montserrat" panose="020B0604020202020204" pitchFamily="2" charset="-18"/>
+              </a:rPr>
+              <a:t>Rastislav Tvarožek</a:t>
+            </a:r>
+          </a:p>
+        </p:txBody>
+      </p:sp>
+      <p:sp>
+        <p:nvSpPr>
+          <p:cNvPr id="4" name="BlokTextu 3">
+            <a:extLst>
+              <a:ext uri="{FF2B5EF4-FFF2-40B4-BE49-F238E27FC236}">
+                <a16:creationId xmlns:a16="http://schemas.microsoft.com/office/drawing/2014/main" id="{A85F9248-1C16-40F6-9794-C12168A77AFB}"/>
+              </a:ext>
+            </a:extLst>
+          </p:cNvPr>
+          <p:cNvSpPr txBox="1"/>
+          <p:nvPr/>
+        </p:nvSpPr>
+        <p:spPr>
+          <a:xfrm>
+            <a:off x="5241902" y="0"/>
+            <a:ext cx="4229100" cy="276999"/>
+          </a:xfrm>
+          <a:prstGeom prst="rect">
+            <a:avLst/>
+          </a:prstGeom>
+          <a:noFill/>
+        </p:spPr>
+        <p:txBody>
+          <a:bodyPr wrap="square">
+            <a:spAutoFit/>
+          </a:bodyPr>
+          <a:lstStyle/>
+          <a:p>
+            <a:r>
+              <a:rPr lang="sk-SK" sz="1200" dirty="0">
+                <a:solidFill>
+                  <a:schemeClr val="tx1">
+                    <a:lumMod val="75000"/>
+                  </a:schemeClr>
+                </a:solidFill>
+                <a:latin typeface="Montserrat" panose="020B0604020202020204" pitchFamily="2" charset="-18"/>
+              </a:rPr>
+              <a:t>Vedúci bakalárskej práce: </a:t>
+            </a:r>
+            <a:r>
+              <a:rPr lang="sk-SK" sz="1200" b="0" i="0" dirty="0">
+                <a:solidFill>
+                  <a:schemeClr val="tx1">
+                    <a:lumMod val="75000"/>
+                  </a:schemeClr>
+                </a:solidFill>
+                <a:effectLst/>
+                <a:latin typeface="verdana" panose="020B0604030504040204" pitchFamily="34" charset="0"/>
+                <a:hlinkClick r:id="rId3">
+                  <a:extLst>
+                    <a:ext uri="{A12FA001-AC4F-418D-AE19-62706E023703}">
+                      <ahyp:hlinkClr xmlns:ahyp="http://schemas.microsoft.com/office/drawing/2018/hyperlinkcolor" val="tx"/>
+                    </a:ext>
+                  </a:extLst>
+                </a:hlinkClick>
+              </a:rPr>
+              <a:t>Ing. Štefan </a:t>
+            </a:r>
+            <a:r>
+              <a:rPr lang="sk-SK" sz="1200" b="0" i="0" dirty="0" err="1">
+                <a:solidFill>
+                  <a:schemeClr val="tx1">
+                    <a:lumMod val="75000"/>
+                  </a:schemeClr>
+                </a:solidFill>
+                <a:effectLst/>
+                <a:latin typeface="verdana" panose="020B0604030504040204" pitchFamily="34" charset="0"/>
+                <a:hlinkClick r:id="rId3">
+                  <a:extLst>
+                    <a:ext uri="{A12FA001-AC4F-418D-AE19-62706E023703}">
+                      <ahyp:hlinkClr xmlns:ahyp="http://schemas.microsoft.com/office/drawing/2018/hyperlinkcolor" val="tx"/>
+                    </a:ext>
+                  </a:extLst>
+                </a:hlinkClick>
+              </a:rPr>
+              <a:t>Bucz</a:t>
+            </a:r>
+            <a:r>
+              <a:rPr lang="sk-SK" sz="1200" b="0" i="0" dirty="0">
+                <a:solidFill>
+                  <a:schemeClr val="tx1">
+                    <a:lumMod val="75000"/>
+                  </a:schemeClr>
+                </a:solidFill>
+                <a:effectLst/>
+                <a:latin typeface="verdana" panose="020B0604030504040204" pitchFamily="34" charset="0"/>
+                <a:hlinkClick r:id="rId3">
+                  <a:extLst>
+                    <a:ext uri="{A12FA001-AC4F-418D-AE19-62706E023703}">
+                      <ahyp:hlinkClr xmlns:ahyp="http://schemas.microsoft.com/office/drawing/2018/hyperlinkcolor" val="tx"/>
+                    </a:ext>
+                  </a:extLst>
+                </a:hlinkClick>
+              </a:rPr>
+              <a:t>, PhD.</a:t>
+            </a:r>
+            <a:endParaRPr lang="sk-SK" sz="1200" dirty="0">
+              <a:solidFill>
+                <a:schemeClr val="tx1">
+                  <a:lumMod val="75000"/>
+                </a:schemeClr>
+              </a:solidFill>
+              <a:latin typeface="Montserrat" panose="020B0604020202020204" pitchFamily="2" charset="-18"/>
+            </a:endParaRPr>
           </a:p>
         </p:txBody>
       </p:sp>
@@ -9555,10 +9720,10 @@
       </p:pic>
       <p:pic>
         <p:nvPicPr>
-          <p:cNvPr id="4128" name="Picture 32" descr="C File icon PNG and SVG Vector Free Download">
+          <p:cNvPr id="4130" name="Picture 34" descr="Free Icon | Py file format">
             <a:extLst>
               <a:ext uri="{FF2B5EF4-FFF2-40B4-BE49-F238E27FC236}">
-                <a16:creationId xmlns:a16="http://schemas.microsoft.com/office/drawing/2014/main" id="{252F7081-8C82-4E6A-9A58-870C3DC1C17E}"/>
+                <a16:creationId xmlns:a16="http://schemas.microsoft.com/office/drawing/2014/main" id="{F860DF32-1C41-4F1D-9E73-7FF2ED8B6122}"/>
               </a:ext>
             </a:extLst>
           </p:cNvPr>
@@ -9582,8 +9747,8 @@
         </p:blipFill>
         <p:spPr bwMode="auto">
           <a:xfrm>
-            <a:off x="986145" y="3885742"/>
-            <a:ext cx="526954" cy="559752"/>
+            <a:off x="2931236" y="3695654"/>
+            <a:ext cx="562407" cy="562407"/>
           </a:xfrm>
           <a:prstGeom prst="rect">
             <a:avLst/>
@@ -9602,10 +9767,57 @@
       </p:pic>
       <p:pic>
         <p:nvPicPr>
-          <p:cNvPr id="4130" name="Picture 34" descr="Free Icon | Py file format">
+          <p:cNvPr id="61" name="Picture 34" descr="Free Icon | Py file format">
             <a:extLst>
               <a:ext uri="{FF2B5EF4-FFF2-40B4-BE49-F238E27FC236}">
-                <a16:creationId xmlns:a16="http://schemas.microsoft.com/office/drawing/2014/main" id="{F860DF32-1C41-4F1D-9E73-7FF2ED8B6122}"/>
+                <a16:creationId xmlns:a16="http://schemas.microsoft.com/office/drawing/2014/main" id="{7758440D-6164-4DDF-8BE2-2FBD2B3B1112}"/>
+              </a:ext>
+            </a:extLst>
+          </p:cNvPr>
+          <p:cNvPicPr>
+            <a:picLocks noChangeAspect="1" noChangeArrowheads="1"/>
+          </p:cNvPicPr>
+          <p:nvPr/>
+        </p:nvPicPr>
+        <p:blipFill>
+          <a:blip r:embed="rId19">
+            <a:extLst>
+              <a:ext uri="{28A0092B-C50C-407E-A947-70E740481C1C}">
+                <a14:useLocalDpi xmlns:a14="http://schemas.microsoft.com/office/drawing/2010/main" val="0"/>
+              </a:ext>
+            </a:extLst>
+          </a:blip>
+          <a:srcRect/>
+          <a:stretch>
+            <a:fillRect/>
+          </a:stretch>
+        </p:blipFill>
+        <p:spPr bwMode="auto">
+          <a:xfrm>
+            <a:off x="5225605" y="4065449"/>
+            <a:ext cx="562407" cy="562407"/>
+          </a:xfrm>
+          <a:prstGeom prst="rect">
+            <a:avLst/>
+          </a:prstGeom>
+          <a:noFill/>
+          <a:extLst>
+            <a:ext uri="{909E8E84-426E-40DD-AFC4-6F175D3DCCD1}">
+              <a14:hiddenFill xmlns:a14="http://schemas.microsoft.com/office/drawing/2010/main">
+                <a:solidFill>
+                  <a:srgbClr val="FFFFFF"/>
+                </a:solidFill>
+              </a14:hiddenFill>
+            </a:ext>
+          </a:extLst>
+        </p:spPr>
+      </p:pic>
+      <p:pic>
+        <p:nvPicPr>
+          <p:cNvPr id="4132" name="Picture 36" descr="H File Icon - Download H File Icon 3001070 | Noun Project">
+            <a:extLst>
+              <a:ext uri="{FF2B5EF4-FFF2-40B4-BE49-F238E27FC236}">
+                <a16:creationId xmlns:a16="http://schemas.microsoft.com/office/drawing/2014/main" id="{4E508942-443E-42B6-8CF1-736F0C780F83}"/>
               </a:ext>
             </a:extLst>
           </p:cNvPr>
@@ -9629,100 +9841,6 @@
         </p:blipFill>
         <p:spPr bwMode="auto">
           <a:xfrm>
-            <a:off x="2931236" y="3695654"/>
-            <a:ext cx="562407" cy="562407"/>
-          </a:xfrm>
-          <a:prstGeom prst="rect">
-            <a:avLst/>
-          </a:prstGeom>
-          <a:noFill/>
-          <a:extLst>
-            <a:ext uri="{909E8E84-426E-40DD-AFC4-6F175D3DCCD1}">
-              <a14:hiddenFill xmlns:a14="http://schemas.microsoft.com/office/drawing/2010/main">
-                <a:solidFill>
-                  <a:srgbClr val="FFFFFF"/>
-                </a:solidFill>
-              </a14:hiddenFill>
-            </a:ext>
-          </a:extLst>
-        </p:spPr>
-      </p:pic>
-      <p:pic>
-        <p:nvPicPr>
-          <p:cNvPr id="61" name="Picture 34" descr="Free Icon | Py file format">
-            <a:extLst>
-              <a:ext uri="{FF2B5EF4-FFF2-40B4-BE49-F238E27FC236}">
-                <a16:creationId xmlns:a16="http://schemas.microsoft.com/office/drawing/2014/main" id="{7758440D-6164-4DDF-8BE2-2FBD2B3B1112}"/>
-              </a:ext>
-            </a:extLst>
-          </p:cNvPr>
-          <p:cNvPicPr>
-            <a:picLocks noChangeAspect="1" noChangeArrowheads="1"/>
-          </p:cNvPicPr>
-          <p:nvPr/>
-        </p:nvPicPr>
-        <p:blipFill>
-          <a:blip r:embed="rId20">
-            <a:extLst>
-              <a:ext uri="{28A0092B-C50C-407E-A947-70E740481C1C}">
-                <a14:useLocalDpi xmlns:a14="http://schemas.microsoft.com/office/drawing/2010/main" val="0"/>
-              </a:ext>
-            </a:extLst>
-          </a:blip>
-          <a:srcRect/>
-          <a:stretch>
-            <a:fillRect/>
-          </a:stretch>
-        </p:blipFill>
-        <p:spPr bwMode="auto">
-          <a:xfrm>
-            <a:off x="5225605" y="4065449"/>
-            <a:ext cx="562407" cy="562407"/>
-          </a:xfrm>
-          <a:prstGeom prst="rect">
-            <a:avLst/>
-          </a:prstGeom>
-          <a:noFill/>
-          <a:extLst>
-            <a:ext uri="{909E8E84-426E-40DD-AFC4-6F175D3DCCD1}">
-              <a14:hiddenFill xmlns:a14="http://schemas.microsoft.com/office/drawing/2010/main">
-                <a:solidFill>
-                  <a:srgbClr val="FFFFFF"/>
-                </a:solidFill>
-              </a14:hiddenFill>
-            </a:ext>
-          </a:extLst>
-        </p:spPr>
-      </p:pic>
-      <p:pic>
-        <p:nvPicPr>
-          <p:cNvPr id="4132" name="Picture 36" descr="H File Icon - Download H File Icon 3001070 | Noun Project">
-            <a:extLst>
-              <a:ext uri="{FF2B5EF4-FFF2-40B4-BE49-F238E27FC236}">
-                <a16:creationId xmlns:a16="http://schemas.microsoft.com/office/drawing/2014/main" id="{4E508942-443E-42B6-8CF1-736F0C780F83}"/>
-              </a:ext>
-            </a:extLst>
-          </p:cNvPr>
-          <p:cNvPicPr>
-            <a:picLocks noChangeAspect="1" noChangeArrowheads="1"/>
-          </p:cNvPicPr>
-          <p:nvPr/>
-        </p:nvPicPr>
-        <p:blipFill>
-          <a:blip r:embed="rId21">
-            <a:extLst>
-              <a:ext uri="{28A0092B-C50C-407E-A947-70E740481C1C}">
-                <a14:useLocalDpi xmlns:a14="http://schemas.microsoft.com/office/drawing/2010/main" val="0"/>
-              </a:ext>
-            </a:extLst>
-          </a:blip>
-          <a:srcRect/>
-          <a:stretch>
-            <a:fillRect/>
-          </a:stretch>
-        </p:blipFill>
-        <p:spPr bwMode="auto">
-          <a:xfrm>
             <a:off x="6822706" y="2300696"/>
             <a:ext cx="395775" cy="395775"/>
           </a:xfrm>
@@ -9756,10 +9874,10 @@
           <p:nvPr/>
         </p:nvPicPr>
         <p:blipFill>
-          <a:blip r:embed="rId22">
+          <a:blip r:embed="rId21">
             <a:extLst>
               <a:ext uri="{96DAC541-7B7A-43D3-8B79-37D633B846F1}">
-                <asvg:svgBlip xmlns:asvg="http://schemas.microsoft.com/office/drawing/2016/SVG/main" r:embed="rId23"/>
+                <asvg:svgBlip xmlns:asvg="http://schemas.microsoft.com/office/drawing/2016/SVG/main" r:embed="rId22"/>
               </a:ext>
             </a:extLst>
           </a:blip>
@@ -10445,7 +10563,7 @@
           <p:nvPr/>
         </p:nvPicPr>
         <p:blipFill>
-          <a:blip r:embed="rId24"/>
+          <a:blip r:embed="rId23"/>
           <a:stretch>
             <a:fillRect/>
           </a:stretch>
@@ -10503,53 +10621,6 @@
       </p:cxnSp>
       <p:pic>
         <p:nvPicPr>
-          <p:cNvPr id="96" name="Picture 32" descr="C File icon PNG and SVG Vector Free Download">
-            <a:extLst>
-              <a:ext uri="{FF2B5EF4-FFF2-40B4-BE49-F238E27FC236}">
-                <a16:creationId xmlns:a16="http://schemas.microsoft.com/office/drawing/2014/main" id="{11230DEB-5AD0-4FF3-B0E2-7E8BB352B2AC}"/>
-              </a:ext>
-            </a:extLst>
-          </p:cNvPr>
-          <p:cNvPicPr>
-            <a:picLocks noChangeAspect="1" noChangeArrowheads="1"/>
-          </p:cNvPicPr>
-          <p:nvPr/>
-        </p:nvPicPr>
-        <p:blipFill>
-          <a:blip r:embed="rId19">
-            <a:extLst>
-              <a:ext uri="{28A0092B-C50C-407E-A947-70E740481C1C}">
-                <a14:useLocalDpi xmlns:a14="http://schemas.microsoft.com/office/drawing/2010/main" val="0"/>
-              </a:ext>
-            </a:extLst>
-          </a:blip>
-          <a:srcRect/>
-          <a:stretch>
-            <a:fillRect/>
-          </a:stretch>
-        </p:blipFill>
-        <p:spPr bwMode="auto">
-          <a:xfrm>
-            <a:off x="7538774" y="3818138"/>
-            <a:ext cx="526954" cy="559752"/>
-          </a:xfrm>
-          <a:prstGeom prst="rect">
-            <a:avLst/>
-          </a:prstGeom>
-          <a:noFill/>
-          <a:extLst>
-            <a:ext uri="{909E8E84-426E-40DD-AFC4-6F175D3DCCD1}">
-              <a14:hiddenFill xmlns:a14="http://schemas.microsoft.com/office/drawing/2010/main">
-                <a:solidFill>
-                  <a:srgbClr val="FFFFFF"/>
-                </a:solidFill>
-              </a14:hiddenFill>
-            </a:ext>
-          </a:extLst>
-        </p:spPr>
-      </p:pic>
-      <p:pic>
-        <p:nvPicPr>
           <p:cNvPr id="3" name="Obrázok 2">
             <a:extLst>
               <a:ext uri="{FF2B5EF4-FFF2-40B4-BE49-F238E27FC236}">
@@ -10563,7 +10634,7 @@
           <p:nvPr/>
         </p:nvPicPr>
         <p:blipFill>
-          <a:blip r:embed="rId25"/>
+          <a:blip r:embed="rId24"/>
           <a:stretch>
             <a:fillRect/>
           </a:stretch>
@@ -10576,53 +10647,6 @@
           <a:prstGeom prst="rect">
             <a:avLst/>
           </a:prstGeom>
-        </p:spPr>
-      </p:pic>
-      <p:pic>
-        <p:nvPicPr>
-          <p:cNvPr id="51" name="Picture 32" descr="C File icon PNG and SVG Vector Free Download">
-            <a:extLst>
-              <a:ext uri="{FF2B5EF4-FFF2-40B4-BE49-F238E27FC236}">
-                <a16:creationId xmlns:a16="http://schemas.microsoft.com/office/drawing/2014/main" id="{3F4B462B-83A8-4360-B024-099E18DFAFAA}"/>
-              </a:ext>
-            </a:extLst>
-          </p:cNvPr>
-          <p:cNvPicPr>
-            <a:picLocks noChangeAspect="1" noChangeArrowheads="1"/>
-          </p:cNvPicPr>
-          <p:nvPr/>
-        </p:nvPicPr>
-        <p:blipFill>
-          <a:blip r:embed="rId19">
-            <a:extLst>
-              <a:ext uri="{28A0092B-C50C-407E-A947-70E740481C1C}">
-                <a14:useLocalDpi xmlns:a14="http://schemas.microsoft.com/office/drawing/2010/main" val="0"/>
-              </a:ext>
-            </a:extLst>
-          </a:blip>
-          <a:srcRect/>
-          <a:stretch>
-            <a:fillRect/>
-          </a:stretch>
-        </p:blipFill>
-        <p:spPr bwMode="auto">
-          <a:xfrm>
-            <a:off x="8207432" y="3812026"/>
-            <a:ext cx="526954" cy="559752"/>
-          </a:xfrm>
-          <a:prstGeom prst="rect">
-            <a:avLst/>
-          </a:prstGeom>
-          <a:noFill/>
-          <a:extLst>
-            <a:ext uri="{909E8E84-426E-40DD-AFC4-6F175D3DCCD1}">
-              <a14:hiddenFill xmlns:a14="http://schemas.microsoft.com/office/drawing/2010/main">
-                <a:solidFill>
-                  <a:srgbClr val="FFFFFF"/>
-                </a:solidFill>
-              </a14:hiddenFill>
-            </a:ext>
-          </a:extLst>
         </p:spPr>
       </p:pic>
       <p:cxnSp>
@@ -10794,6 +10818,147 @@
           </a:p>
         </p:txBody>
       </p:sp>
+      <p:pic>
+        <p:nvPicPr>
+          <p:cNvPr id="1026" name="Picture 2" descr="C++ Logo Download Icon PNG Transparent Background, Free Download #28398 -  FreeIconsPNG">
+            <a:extLst>
+              <a:ext uri="{FF2B5EF4-FFF2-40B4-BE49-F238E27FC236}">
+                <a16:creationId xmlns:a16="http://schemas.microsoft.com/office/drawing/2014/main" id="{E9C9AF50-D508-480E-8E58-2AB0BFD47E24}"/>
+              </a:ext>
+            </a:extLst>
+          </p:cNvPr>
+          <p:cNvPicPr>
+            <a:picLocks noChangeAspect="1" noChangeArrowheads="1"/>
+          </p:cNvPicPr>
+          <p:nvPr/>
+        </p:nvPicPr>
+        <p:blipFill>
+          <a:blip r:embed="rId25">
+            <a:extLst>
+              <a:ext uri="{28A0092B-C50C-407E-A947-70E740481C1C}">
+                <a14:useLocalDpi xmlns:a14="http://schemas.microsoft.com/office/drawing/2010/main" val="0"/>
+              </a:ext>
+            </a:extLst>
+          </a:blip>
+          <a:srcRect/>
+          <a:stretch>
+            <a:fillRect/>
+          </a:stretch>
+        </p:blipFill>
+        <p:spPr bwMode="auto">
+          <a:xfrm>
+            <a:off x="877577" y="3775413"/>
+            <a:ext cx="703886" cy="703886"/>
+          </a:xfrm>
+          <a:prstGeom prst="rect">
+            <a:avLst/>
+          </a:prstGeom>
+          <a:noFill/>
+          <a:extLst>
+            <a:ext uri="{909E8E84-426E-40DD-AFC4-6F175D3DCCD1}">
+              <a14:hiddenFill xmlns:a14="http://schemas.microsoft.com/office/drawing/2010/main">
+                <a:solidFill>
+                  <a:srgbClr val="FFFFFF"/>
+                </a:solidFill>
+              </a14:hiddenFill>
+            </a:ext>
+          </a:extLst>
+        </p:spPr>
+      </p:pic>
+      <p:pic>
+        <p:nvPicPr>
+          <p:cNvPr id="53" name="Picture 2" descr="C++ Logo Download Icon PNG Transparent Background, Free Download #28398 -  FreeIconsPNG">
+            <a:extLst>
+              <a:ext uri="{FF2B5EF4-FFF2-40B4-BE49-F238E27FC236}">
+                <a16:creationId xmlns:a16="http://schemas.microsoft.com/office/drawing/2014/main" id="{646F5034-79F2-4F06-B404-4A6C5CC30867}"/>
+              </a:ext>
+            </a:extLst>
+          </p:cNvPr>
+          <p:cNvPicPr>
+            <a:picLocks noChangeAspect="1" noChangeArrowheads="1"/>
+          </p:cNvPicPr>
+          <p:nvPr/>
+        </p:nvPicPr>
+        <p:blipFill>
+          <a:blip r:embed="rId25">
+            <a:extLst>
+              <a:ext uri="{28A0092B-C50C-407E-A947-70E740481C1C}">
+                <a14:useLocalDpi xmlns:a14="http://schemas.microsoft.com/office/drawing/2010/main" val="0"/>
+              </a:ext>
+            </a:extLst>
+          </a:blip>
+          <a:srcRect/>
+          <a:stretch>
+            <a:fillRect/>
+          </a:stretch>
+        </p:blipFill>
+        <p:spPr bwMode="auto">
+          <a:xfrm>
+            <a:off x="7519027" y="3818138"/>
+            <a:ext cx="703886" cy="703886"/>
+          </a:xfrm>
+          <a:prstGeom prst="rect">
+            <a:avLst/>
+          </a:prstGeom>
+          <a:noFill/>
+          <a:extLst>
+            <a:ext uri="{909E8E84-426E-40DD-AFC4-6F175D3DCCD1}">
+              <a14:hiddenFill xmlns:a14="http://schemas.microsoft.com/office/drawing/2010/main">
+                <a:solidFill>
+                  <a:srgbClr val="FFFFFF"/>
+                </a:solidFill>
+              </a14:hiddenFill>
+            </a:ext>
+          </a:extLst>
+        </p:spPr>
+      </p:pic>
+      <p:pic>
+        <p:nvPicPr>
+          <p:cNvPr id="55" name="Picture 2" descr="C++ Logo Download Icon PNG Transparent Background, Free Download #28398 -  FreeIconsPNG">
+            <a:extLst>
+              <a:ext uri="{FF2B5EF4-FFF2-40B4-BE49-F238E27FC236}">
+                <a16:creationId xmlns:a16="http://schemas.microsoft.com/office/drawing/2014/main" id="{C849C63B-0C5F-4AEC-8B02-9E4F62B27CA4}"/>
+              </a:ext>
+            </a:extLst>
+          </p:cNvPr>
+          <p:cNvPicPr>
+            <a:picLocks noChangeAspect="1" noChangeArrowheads="1"/>
+          </p:cNvPicPr>
+          <p:nvPr/>
+        </p:nvPicPr>
+        <p:blipFill>
+          <a:blip r:embed="rId25">
+            <a:extLst>
+              <a:ext uri="{28A0092B-C50C-407E-A947-70E740481C1C}">
+                <a14:useLocalDpi xmlns:a14="http://schemas.microsoft.com/office/drawing/2010/main" val="0"/>
+              </a:ext>
+            </a:extLst>
+          </a:blip>
+          <a:srcRect/>
+          <a:stretch>
+            <a:fillRect/>
+          </a:stretch>
+        </p:blipFill>
+        <p:spPr bwMode="auto">
+          <a:xfrm>
+            <a:off x="8113691" y="3815890"/>
+            <a:ext cx="703886" cy="703886"/>
+          </a:xfrm>
+          <a:prstGeom prst="rect">
+            <a:avLst/>
+          </a:prstGeom>
+          <a:noFill/>
+          <a:extLst>
+            <a:ext uri="{909E8E84-426E-40DD-AFC4-6F175D3DCCD1}">
+              <a14:hiddenFill xmlns:a14="http://schemas.microsoft.com/office/drawing/2010/main">
+                <a:solidFill>
+                  <a:srgbClr val="FFFFFF"/>
+                </a:solidFill>
+              </a14:hiddenFill>
+            </a:ext>
+          </a:extLst>
+        </p:spPr>
+      </p:pic>
     </p:spTree>
   </p:cSld>
   <p:clrMapOvr>
